--- a/221407_NguyenGiaBao_22150450.pptx
+++ b/221407_NguyenGiaBao_22150450.pptx
@@ -263,7 +263,7 @@
           <a:p>
             <a:fld id="{1980C1BF-20BA-4F1A-87EE-5234F3D169D0}" type="datetimeFigureOut">
               <a:rPr lang="en-US" smtClean="0"/>
-              <a:t>10-Nov-24</a:t>
+              <a:t>12-Nov-24</a:t>
             </a:fld>
             <a:endParaRPr lang="en-US"/>
           </a:p>
@@ -480,7 +480,7 @@
           <a:p>
             <a:fld id="{1980C1BF-20BA-4F1A-87EE-5234F3D169D0}" type="datetimeFigureOut">
               <a:rPr lang="en-US" smtClean="0"/>
-              <a:t>10-Nov-24</a:t>
+              <a:t>12-Nov-24</a:t>
             </a:fld>
             <a:endParaRPr lang="en-US"/>
           </a:p>
@@ -701,7 +701,7 @@
           <a:p>
             <a:fld id="{1980C1BF-20BA-4F1A-87EE-5234F3D169D0}" type="datetimeFigureOut">
               <a:rPr lang="en-US" smtClean="0"/>
-              <a:t>10-Nov-24</a:t>
+              <a:t>12-Nov-24</a:t>
             </a:fld>
             <a:endParaRPr lang="en-US"/>
           </a:p>
@@ -1023,7 +1023,7 @@
           <a:p>
             <a:fld id="{1980C1BF-20BA-4F1A-87EE-5234F3D169D0}" type="datetimeFigureOut">
               <a:rPr lang="en-US" smtClean="0"/>
-              <a:t>10-Nov-24</a:t>
+              <a:t>12-Nov-24</a:t>
             </a:fld>
             <a:endParaRPr lang="en-US"/>
           </a:p>
@@ -1279,7 +1279,7 @@
           <a:p>
             <a:fld id="{1980C1BF-20BA-4F1A-87EE-5234F3D169D0}" type="datetimeFigureOut">
               <a:rPr lang="en-US" smtClean="0"/>
-              <a:t>10-Nov-24</a:t>
+              <a:t>12-Nov-24</a:t>
             </a:fld>
             <a:endParaRPr lang="en-US"/>
           </a:p>
@@ -1527,7 +1527,7 @@
           <a:p>
             <a:fld id="{1980C1BF-20BA-4F1A-87EE-5234F3D169D0}" type="datetimeFigureOut">
               <a:rPr lang="en-US" smtClean="0"/>
-              <a:t>10-Nov-24</a:t>
+              <a:t>12-Nov-24</a:t>
             </a:fld>
             <a:endParaRPr lang="en-US"/>
           </a:p>
@@ -1839,7 +1839,7 @@
           <a:p>
             <a:fld id="{1980C1BF-20BA-4F1A-87EE-5234F3D169D0}" type="datetimeFigureOut">
               <a:rPr lang="en-US" smtClean="0"/>
-              <a:t>10-Nov-24</a:t>
+              <a:t>12-Nov-24</a:t>
             </a:fld>
             <a:endParaRPr lang="en-US"/>
           </a:p>
@@ -2221,7 +2221,7 @@
           <a:p>
             <a:fld id="{1980C1BF-20BA-4F1A-87EE-5234F3D169D0}" type="datetimeFigureOut">
               <a:rPr lang="en-US" smtClean="0"/>
-              <a:t>10-Nov-24</a:t>
+              <a:t>12-Nov-24</a:t>
             </a:fld>
             <a:endParaRPr lang="en-US"/>
           </a:p>
@@ -2377,7 +2377,7 @@
           <a:p>
             <a:fld id="{1980C1BF-20BA-4F1A-87EE-5234F3D169D0}" type="datetimeFigureOut">
               <a:rPr lang="en-US" smtClean="0"/>
-              <a:t>10-Nov-24</a:t>
+              <a:t>12-Nov-24</a:t>
             </a:fld>
             <a:endParaRPr lang="en-US"/>
           </a:p>
@@ -2510,7 +2510,7 @@
           <a:p>
             <a:fld id="{1980C1BF-20BA-4F1A-87EE-5234F3D169D0}" type="datetimeFigureOut">
               <a:rPr lang="en-US" smtClean="0"/>
-              <a:t>10-Nov-24</a:t>
+              <a:t>12-Nov-24</a:t>
             </a:fld>
             <a:endParaRPr lang="en-US"/>
           </a:p>
@@ -2765,7 +2765,7 @@
           <a:p>
             <a:fld id="{1980C1BF-20BA-4F1A-87EE-5234F3D169D0}" type="datetimeFigureOut">
               <a:rPr lang="en-US" smtClean="0"/>
-              <a:t>10-Nov-24</a:t>
+              <a:t>12-Nov-24</a:t>
             </a:fld>
             <a:endParaRPr lang="en-US"/>
           </a:p>
@@ -2973,7 +2973,7 @@
           <a:p>
             <a:fld id="{1980C1BF-20BA-4F1A-87EE-5234F3D169D0}" type="datetimeFigureOut">
               <a:rPr lang="en-US" smtClean="0"/>
-              <a:t>10-Nov-24</a:t>
+              <a:t>12-Nov-24</a:t>
             </a:fld>
             <a:endParaRPr lang="en-US"/>
           </a:p>
@@ -3294,7 +3294,7 @@
           <a:p>
             <a:fld id="{1980C1BF-20BA-4F1A-87EE-5234F3D169D0}" type="datetimeFigureOut">
               <a:rPr lang="en-US" smtClean="0"/>
-              <a:t>10-Nov-24</a:t>
+              <a:t>12-Nov-24</a:t>
             </a:fld>
             <a:endParaRPr lang="en-US"/>
           </a:p>
@@ -3578,7 +3578,7 @@
           <a:p>
             <a:fld id="{1980C1BF-20BA-4F1A-87EE-5234F3D169D0}" type="datetimeFigureOut">
               <a:rPr lang="en-US" smtClean="0"/>
-              <a:t>10-Nov-24</a:t>
+              <a:t>12-Nov-24</a:t>
             </a:fld>
             <a:endParaRPr lang="en-US"/>
           </a:p>
@@ -3826,7 +3826,7 @@
           <a:p>
             <a:fld id="{1980C1BF-20BA-4F1A-87EE-5234F3D169D0}" type="datetimeFigureOut">
               <a:rPr lang="en-US" smtClean="0"/>
-              <a:t>10-Nov-24</a:t>
+              <a:t>12-Nov-24</a:t>
             </a:fld>
             <a:endParaRPr lang="en-US"/>
           </a:p>
@@ -4172,7 +4172,7 @@
           <a:p>
             <a:fld id="{1980C1BF-20BA-4F1A-87EE-5234F3D169D0}" type="datetimeFigureOut">
               <a:rPr lang="en-US" smtClean="0"/>
-              <a:t>10-Nov-24</a:t>
+              <a:t>12-Nov-24</a:t>
             </a:fld>
             <a:endParaRPr lang="en-US"/>
           </a:p>
@@ -4526,7 +4526,7 @@
           <a:p>
             <a:fld id="{1980C1BF-20BA-4F1A-87EE-5234F3D169D0}" type="datetimeFigureOut">
               <a:rPr lang="en-US" smtClean="0"/>
-              <a:t>10-Nov-24</a:t>
+              <a:t>12-Nov-24</a:t>
             </a:fld>
             <a:endParaRPr lang="en-US"/>
           </a:p>
@@ -4900,7 +4900,7 @@
           <a:p>
             <a:fld id="{1980C1BF-20BA-4F1A-87EE-5234F3D169D0}" type="datetimeFigureOut">
               <a:rPr lang="en-US" smtClean="0"/>
-              <a:t>10-Nov-24</a:t>
+              <a:t>12-Nov-24</a:t>
             </a:fld>
             <a:endParaRPr lang="en-US"/>
           </a:p>
@@ -5377,7 +5377,7 @@
           <a:p>
             <a:fld id="{1980C1BF-20BA-4F1A-87EE-5234F3D169D0}" type="datetimeFigureOut">
               <a:rPr lang="en-US" smtClean="0"/>
-              <a:t>10-Nov-24</a:t>
+              <a:t>12-Nov-24</a:t>
             </a:fld>
             <a:endParaRPr lang="en-US"/>
           </a:p>
@@ -5589,7 +5589,7 @@
           <a:p>
             <a:fld id="{1980C1BF-20BA-4F1A-87EE-5234F3D169D0}" type="datetimeFigureOut">
               <a:rPr lang="en-US" smtClean="0"/>
-              <a:t>10-Nov-24</a:t>
+              <a:t>12-Nov-24</a:t>
             </a:fld>
             <a:endParaRPr lang="en-US"/>
           </a:p>
@@ -5807,7 +5807,7 @@
           <a:p>
             <a:fld id="{1980C1BF-20BA-4F1A-87EE-5234F3D169D0}" type="datetimeFigureOut">
               <a:rPr lang="en-US" smtClean="0"/>
-              <a:t>10-Nov-24</a:t>
+              <a:t>12-Nov-24</a:t>
             </a:fld>
             <a:endParaRPr lang="en-US"/>
           </a:p>
@@ -6093,7 +6093,7 @@
           <a:p>
             <a:fld id="{1980C1BF-20BA-4F1A-87EE-5234F3D169D0}" type="datetimeFigureOut">
               <a:rPr lang="en-US" smtClean="0"/>
-              <a:t>10-Nov-24</a:t>
+              <a:t>12-Nov-24</a:t>
             </a:fld>
             <a:endParaRPr lang="en-US"/>
           </a:p>
@@ -6367,7 +6367,7 @@
           <a:p>
             <a:fld id="{1980C1BF-20BA-4F1A-87EE-5234F3D169D0}" type="datetimeFigureOut">
               <a:rPr lang="en-US" smtClean="0"/>
-              <a:t>10-Nov-24</a:t>
+              <a:t>12-Nov-24</a:t>
             </a:fld>
             <a:endParaRPr lang="en-US"/>
           </a:p>
@@ -6789,7 +6789,7 @@
           <a:p>
             <a:fld id="{1980C1BF-20BA-4F1A-87EE-5234F3D169D0}" type="datetimeFigureOut">
               <a:rPr lang="en-US" smtClean="0"/>
-              <a:t>10-Nov-24</a:t>
+              <a:t>12-Nov-24</a:t>
             </a:fld>
             <a:endParaRPr lang="en-US"/>
           </a:p>
@@ -6944,7 +6944,7 @@
           <a:p>
             <a:fld id="{1980C1BF-20BA-4F1A-87EE-5234F3D169D0}" type="datetimeFigureOut">
               <a:rPr lang="en-US" smtClean="0"/>
-              <a:t>10-Nov-24</a:t>
+              <a:t>12-Nov-24</a:t>
             </a:fld>
             <a:endParaRPr lang="en-US"/>
           </a:p>
@@ -7076,7 +7076,7 @@
           <a:p>
             <a:fld id="{1980C1BF-20BA-4F1A-87EE-5234F3D169D0}" type="datetimeFigureOut">
               <a:rPr lang="en-US" smtClean="0"/>
-              <a:t>10-Nov-24</a:t>
+              <a:t>12-Nov-24</a:t>
             </a:fld>
             <a:endParaRPr lang="en-US"/>
           </a:p>
@@ -7327,7 +7327,7 @@
           <a:p>
             <a:fld id="{1980C1BF-20BA-4F1A-87EE-5234F3D169D0}" type="datetimeFigureOut">
               <a:rPr lang="en-US" smtClean="0"/>
-              <a:t>10-Nov-24</a:t>
+              <a:t>12-Nov-24</a:t>
             </a:fld>
             <a:endParaRPr lang="en-US"/>
           </a:p>
@@ -7782,7 +7782,7 @@
           <a:p>
             <a:fld id="{1980C1BF-20BA-4F1A-87EE-5234F3D169D0}" type="datetimeFigureOut">
               <a:rPr lang="en-US" smtClean="0"/>
-              <a:t>10-Nov-24</a:t>
+              <a:t>12-Nov-24</a:t>
             </a:fld>
             <a:endParaRPr lang="en-US"/>
           </a:p>
@@ -8109,7 +8109,7 @@
           <a:p>
             <a:fld id="{1980C1BF-20BA-4F1A-87EE-5234F3D169D0}" type="datetimeFigureOut">
               <a:rPr lang="en-US" smtClean="0"/>
-              <a:t>10-Nov-24</a:t>
+              <a:t>12-Nov-24</a:t>
             </a:fld>
             <a:endParaRPr lang="en-US"/>
           </a:p>
@@ -8761,7 +8761,7 @@
           <a:p>
             <a:fld id="{1980C1BF-20BA-4F1A-87EE-5234F3D169D0}" type="datetimeFigureOut">
               <a:rPr lang="en-US" smtClean="0"/>
-              <a:t>10-Nov-24</a:t>
+              <a:t>12-Nov-24</a:t>
             </a:fld>
             <a:endParaRPr lang="en-US"/>
           </a:p>
@@ -10154,11 +10154,11 @@
               <a:t> 10 - 15% </a:t>
             </a:r>
             <a:r>
-              <a:rPr lang="en-US" sz="2400" dirty="0" err="1">
-                <a:latin typeface="Times New Roman" panose="02020603050405020304" pitchFamily="18" charset="0"/>
-                <a:cs typeface="Times New Roman" panose="02020603050405020304" pitchFamily="18" charset="0"/>
-              </a:rPr>
-              <a:t>tiêu</a:t>
+              <a:rPr lang="en-US" sz="2400">
+                <a:latin typeface="Times New Roman" panose="02020603050405020304" pitchFamily="18" charset="0"/>
+                <a:cs typeface="Times New Roman" panose="02020603050405020304" pitchFamily="18" charset="0"/>
+              </a:rPr>
+              <a:t>tiểu</a:t>
             </a:r>
             <a:r>
               <a:rPr lang="en-US" sz="2400" dirty="0">

--- a/221407_NguyenGiaBao_22150450.pptx
+++ b/221407_NguyenGiaBao_22150450.pptx
@@ -8,8 +8,8 @@
   <p:sldIdLst>
     <p:sldId id="256" r:id="rId3"/>
     <p:sldId id="266" r:id="rId4"/>
-    <p:sldId id="267" r:id="rId5"/>
-    <p:sldId id="268" r:id="rId6"/>
+    <p:sldId id="268" r:id="rId5"/>
+    <p:sldId id="267" r:id="rId6"/>
     <p:sldId id="269" r:id="rId7"/>
     <p:sldId id="258" r:id="rId8"/>
     <p:sldId id="259" r:id="rId9"/>
@@ -10154,7 +10154,7 @@
               <a:t> 10 - 15% </a:t>
             </a:r>
             <a:r>
-              <a:rPr lang="en-US" sz="2400">
+              <a:rPr lang="en-US" sz="2400" dirty="0" err="1">
                 <a:latin typeface="Times New Roman" panose="02020603050405020304" pitchFamily="18" charset="0"/>
                 <a:cs typeface="Times New Roman" panose="02020603050405020304" pitchFamily="18" charset="0"/>
               </a:rPr>
@@ -10867,7 +10867,7 @@
           <p:cNvPr id="2" name="Title 1">
             <a:extLst>
               <a:ext uri="{FF2B5EF4-FFF2-40B4-BE49-F238E27FC236}">
-                <a16:creationId xmlns:a16="http://schemas.microsoft.com/office/drawing/2014/main" id="{F5A25240-C69A-081F-1B50-940EBC2855ED}"/>
+                <a16:creationId xmlns:a16="http://schemas.microsoft.com/office/drawing/2014/main" id="{D1E4778F-369E-5634-067E-F7AEC95C7B6C}"/>
               </a:ext>
             </a:extLst>
           </p:cNvPr>
@@ -10881,13 +10881,13 @@
         <p:spPr/>
         <p:txBody>
           <a:bodyPr>
-            <a:noAutofit/>
+            <a:normAutofit/>
           </a:bodyPr>
           <a:lstStyle/>
           <a:p>
             <a:r>
               <a:rPr lang="en-US" b="1" dirty="0" err="1"/>
-              <a:t>Tổng</a:t>
+              <a:t>Khảo</a:t>
             </a:r>
             <a:r>
               <a:rPr lang="en-US" b="1" dirty="0"/>
@@ -10895,7 +10895,7 @@
             </a:r>
             <a:r>
               <a:rPr lang="en-US" b="1" dirty="0" err="1"/>
-              <a:t>quan</a:t>
+              <a:t>sát</a:t>
             </a:r>
             <a:r>
               <a:rPr lang="en-US" b="1" dirty="0"/>
@@ -10903,7 +10903,7 @@
             </a:r>
             <a:r>
               <a:rPr lang="en-US" b="1" dirty="0" err="1"/>
-              <a:t>về</a:t>
+              <a:t>hiện</a:t>
             </a:r>
             <a:r>
               <a:rPr lang="en-US" b="1" dirty="0"/>
@@ -10911,52 +10911,9 @@
             </a:r>
             <a:r>
               <a:rPr lang="en-US" b="1" dirty="0" err="1"/>
-              <a:t>môn</a:t>
-            </a:r>
-            <a:r>
-              <a:rPr lang="en-US" b="1" dirty="0"/>
-              <a:t> </a:t>
-            </a:r>
-            <a:r>
-              <a:rPr lang="en-US" b="1" dirty="0" err="1"/>
-              <a:t>học</a:t>
-            </a:r>
-            <a:r>
-              <a:rPr lang="en-US" b="1" dirty="0"/>
-              <a:t> “</a:t>
-            </a:r>
-            <a:r>
-              <a:rPr lang="en-US" b="1" dirty="0" err="1"/>
-              <a:t>Lập</a:t>
-            </a:r>
-            <a:r>
-              <a:rPr lang="en-US" b="1" dirty="0"/>
-              <a:t> </a:t>
-            </a:r>
-            <a:r>
-              <a:rPr lang="en-US" b="1" dirty="0" err="1"/>
-              <a:t>trình</a:t>
-            </a:r>
-            <a:r>
-              <a:rPr lang="en-US" b="1" dirty="0"/>
-              <a:t> </a:t>
-            </a:r>
-            <a:r>
-              <a:rPr lang="en-US" b="1" dirty="0" err="1"/>
-              <a:t>ứng</a:t>
-            </a:r>
-            <a:r>
-              <a:rPr lang="en-US" b="1" dirty="0"/>
-              <a:t> </a:t>
-            </a:r>
-            <a:r>
-              <a:rPr lang="en-US" b="1" dirty="0" err="1"/>
-              <a:t>dụng</a:t>
-            </a:r>
-            <a:r>
-              <a:rPr lang="en-US" b="1" dirty="0"/>
-              <a:t> Java”</a:t>
-            </a:r>
+              <a:t>trạng</a:t>
+            </a:r>
+            <a:endParaRPr lang="en-US" b="1" dirty="0"/>
           </a:p>
         </p:txBody>
       </p:sp>
@@ -10965,7 +10922,7 @@
           <p:cNvPr id="3" name="Content Placeholder 2">
             <a:extLst>
               <a:ext uri="{FF2B5EF4-FFF2-40B4-BE49-F238E27FC236}">
-                <a16:creationId xmlns:a16="http://schemas.microsoft.com/office/drawing/2014/main" id="{44CA09B8-8349-8286-22E7-09D1E9144911}"/>
+                <a16:creationId xmlns:a16="http://schemas.microsoft.com/office/drawing/2014/main" id="{193F31DD-BA2C-BBDB-96FC-485B383B86A9}"/>
               </a:ext>
             </a:extLst>
           </p:cNvPr>
@@ -10990,480 +10947,43 @@
           <a:p>
             <a:pPr algn="just"/>
             <a:r>
+              <a:rPr lang="vi-VN" sz="2400" dirty="0">
+                <a:latin typeface="+mj-lt"/>
+              </a:rPr>
+              <a:t>Hiện nay, ứng dụng máy tính cơ bản là công cụ thiết yếu trong nhiều lĩnh vực, từ học tập đến công việc hàng ngày. Mặc dù các hệ điều hành phổ biến như Windows, macOS, và Android đều có sẵn ứng dụng máy tính, nhưng chúng thường thiếu tính tùy biến và có thể yêu cầu kết nối mạng khi dùng các ứng dụng trực tuyến.</a:t>
+            </a:r>
+            <a:endParaRPr lang="en-US" sz="2400" dirty="0">
+              <a:latin typeface="+mj-lt"/>
+            </a:endParaRPr>
+          </a:p>
+          <a:p>
+            <a:pPr algn="just"/>
+            <a:r>
+              <a:rPr lang="en-US" sz="2400" dirty="0">
+                <a:latin typeface="+mj-lt"/>
+              </a:rPr>
+              <a:t>Qua </a:t>
+            </a:r>
+            <a:r>
               <a:rPr lang="en-US" sz="2400" dirty="0" err="1">
-                <a:latin typeface="Times New Roman" panose="02020603050405020304" pitchFamily="18" charset="0"/>
-                <a:cs typeface="Times New Roman" panose="02020603050405020304" pitchFamily="18" charset="0"/>
-              </a:rPr>
-              <a:t>Lập</a:t>
+                <a:latin typeface="+mj-lt"/>
+              </a:rPr>
+              <a:t>đó</a:t>
             </a:r>
             <a:r>
               <a:rPr lang="en-US" sz="2400" dirty="0">
-                <a:latin typeface="Times New Roman" panose="02020603050405020304" pitchFamily="18" charset="0"/>
-                <a:cs typeface="Times New Roman" panose="02020603050405020304" pitchFamily="18" charset="0"/>
-              </a:rPr>
-              <a:t> </a:t>
-            </a:r>
-            <a:r>
-              <a:rPr lang="en-US" sz="2400" dirty="0" err="1">
-                <a:latin typeface="Times New Roman" panose="02020603050405020304" pitchFamily="18" charset="0"/>
-                <a:cs typeface="Times New Roman" panose="02020603050405020304" pitchFamily="18" charset="0"/>
-              </a:rPr>
-              <a:t>trình</a:t>
-            </a:r>
-            <a:r>
-              <a:rPr lang="en-US" sz="2400" dirty="0">
-                <a:latin typeface="Times New Roman" panose="02020603050405020304" pitchFamily="18" charset="0"/>
-                <a:cs typeface="Times New Roman" panose="02020603050405020304" pitchFamily="18" charset="0"/>
-              </a:rPr>
-              <a:t> </a:t>
-            </a:r>
-            <a:r>
-              <a:rPr lang="en-US" sz="2400" dirty="0" err="1">
-                <a:latin typeface="Times New Roman" panose="02020603050405020304" pitchFamily="18" charset="0"/>
-                <a:cs typeface="Times New Roman" panose="02020603050405020304" pitchFamily="18" charset="0"/>
-              </a:rPr>
-              <a:t>ứng</a:t>
-            </a:r>
-            <a:r>
-              <a:rPr lang="en-US" sz="2400" dirty="0">
-                <a:latin typeface="Times New Roman" panose="02020603050405020304" pitchFamily="18" charset="0"/>
-                <a:cs typeface="Times New Roman" panose="02020603050405020304" pitchFamily="18" charset="0"/>
-              </a:rPr>
-              <a:t> </a:t>
-            </a:r>
-            <a:r>
-              <a:rPr lang="en-US" sz="2400" dirty="0" err="1">
-                <a:latin typeface="Times New Roman" panose="02020603050405020304" pitchFamily="18" charset="0"/>
-                <a:cs typeface="Times New Roman" panose="02020603050405020304" pitchFamily="18" charset="0"/>
-              </a:rPr>
-              <a:t>dụng</a:t>
-            </a:r>
-            <a:r>
-              <a:rPr lang="en-US" sz="2400" dirty="0">
-                <a:latin typeface="Times New Roman" panose="02020603050405020304" pitchFamily="18" charset="0"/>
-                <a:cs typeface="Times New Roman" panose="02020603050405020304" pitchFamily="18" charset="0"/>
-              </a:rPr>
-              <a:t> Java </a:t>
-            </a:r>
-            <a:r>
-              <a:rPr lang="en-US" sz="2400" dirty="0" err="1">
-                <a:latin typeface="Times New Roman" panose="02020603050405020304" pitchFamily="18" charset="0"/>
-                <a:cs typeface="Times New Roman" panose="02020603050405020304" pitchFamily="18" charset="0"/>
-              </a:rPr>
-              <a:t>là</a:t>
-            </a:r>
-            <a:r>
-              <a:rPr lang="en-US" sz="2400" dirty="0">
-                <a:latin typeface="Times New Roman" panose="02020603050405020304" pitchFamily="18" charset="0"/>
-                <a:cs typeface="Times New Roman" panose="02020603050405020304" pitchFamily="18" charset="0"/>
-              </a:rPr>
-              <a:t> </a:t>
-            </a:r>
-            <a:r>
-              <a:rPr lang="en-US" sz="2400" dirty="0" err="1">
-                <a:latin typeface="Times New Roman" panose="02020603050405020304" pitchFamily="18" charset="0"/>
-                <a:cs typeface="Times New Roman" panose="02020603050405020304" pitchFamily="18" charset="0"/>
-              </a:rPr>
-              <a:t>một</a:t>
-            </a:r>
-            <a:r>
-              <a:rPr lang="en-US" sz="2400" dirty="0">
-                <a:latin typeface="Times New Roman" panose="02020603050405020304" pitchFamily="18" charset="0"/>
-                <a:cs typeface="Times New Roman" panose="02020603050405020304" pitchFamily="18" charset="0"/>
-              </a:rPr>
-              <a:t> </a:t>
-            </a:r>
-            <a:r>
-              <a:rPr lang="en-US" sz="2400" dirty="0" err="1">
-                <a:latin typeface="Times New Roman" panose="02020603050405020304" pitchFamily="18" charset="0"/>
-                <a:cs typeface="Times New Roman" panose="02020603050405020304" pitchFamily="18" charset="0"/>
-              </a:rPr>
-              <a:t>lĩnh</a:t>
-            </a:r>
-            <a:r>
-              <a:rPr lang="en-US" sz="2400" dirty="0">
-                <a:latin typeface="Times New Roman" panose="02020603050405020304" pitchFamily="18" charset="0"/>
-                <a:cs typeface="Times New Roman" panose="02020603050405020304" pitchFamily="18" charset="0"/>
-              </a:rPr>
-              <a:t> </a:t>
-            </a:r>
-            <a:r>
-              <a:rPr lang="en-US" sz="2400" dirty="0" err="1">
-                <a:latin typeface="Times New Roman" panose="02020603050405020304" pitchFamily="18" charset="0"/>
-                <a:cs typeface="Times New Roman" panose="02020603050405020304" pitchFamily="18" charset="0"/>
-              </a:rPr>
-              <a:t>vực</a:t>
-            </a:r>
-            <a:r>
-              <a:rPr lang="en-US" sz="2400" dirty="0">
-                <a:latin typeface="Times New Roman" panose="02020603050405020304" pitchFamily="18" charset="0"/>
-                <a:cs typeface="Times New Roman" panose="02020603050405020304" pitchFamily="18" charset="0"/>
-              </a:rPr>
-              <a:t> </a:t>
-            </a:r>
-            <a:r>
-              <a:rPr lang="en-US" sz="2400" dirty="0" err="1">
-                <a:latin typeface="Times New Roman" panose="02020603050405020304" pitchFamily="18" charset="0"/>
-                <a:cs typeface="Times New Roman" panose="02020603050405020304" pitchFamily="18" charset="0"/>
-              </a:rPr>
-              <a:t>tập</a:t>
-            </a:r>
-            <a:r>
-              <a:rPr lang="en-US" sz="2400" dirty="0">
-                <a:latin typeface="Times New Roman" panose="02020603050405020304" pitchFamily="18" charset="0"/>
-                <a:cs typeface="Times New Roman" panose="02020603050405020304" pitchFamily="18" charset="0"/>
-              </a:rPr>
-              <a:t> </a:t>
-            </a:r>
-            <a:r>
-              <a:rPr lang="en-US" sz="2400" dirty="0" err="1">
-                <a:latin typeface="Times New Roman" panose="02020603050405020304" pitchFamily="18" charset="0"/>
-                <a:cs typeface="Times New Roman" panose="02020603050405020304" pitchFamily="18" charset="0"/>
-              </a:rPr>
-              <a:t>trung</a:t>
-            </a:r>
-            <a:r>
-              <a:rPr lang="en-US" sz="2400" dirty="0">
-                <a:latin typeface="Times New Roman" panose="02020603050405020304" pitchFamily="18" charset="0"/>
-                <a:cs typeface="Times New Roman" panose="02020603050405020304" pitchFamily="18" charset="0"/>
-              </a:rPr>
-              <a:t> </a:t>
-            </a:r>
-            <a:r>
-              <a:rPr lang="en-US" sz="2400" dirty="0" err="1">
-                <a:latin typeface="Times New Roman" panose="02020603050405020304" pitchFamily="18" charset="0"/>
-                <a:cs typeface="Times New Roman" panose="02020603050405020304" pitchFamily="18" charset="0"/>
-              </a:rPr>
-              <a:t>vào</a:t>
-            </a:r>
-            <a:r>
-              <a:rPr lang="en-US" sz="2400" dirty="0">
-                <a:latin typeface="Times New Roman" panose="02020603050405020304" pitchFamily="18" charset="0"/>
-                <a:cs typeface="Times New Roman" panose="02020603050405020304" pitchFamily="18" charset="0"/>
-              </a:rPr>
-              <a:t> </a:t>
-            </a:r>
-            <a:r>
-              <a:rPr lang="en-US" sz="2400" dirty="0" err="1">
-                <a:latin typeface="Times New Roman" panose="02020603050405020304" pitchFamily="18" charset="0"/>
-                <a:cs typeface="Times New Roman" panose="02020603050405020304" pitchFamily="18" charset="0"/>
-              </a:rPr>
-              <a:t>việc</a:t>
-            </a:r>
-            <a:r>
-              <a:rPr lang="en-US" sz="2400" dirty="0">
-                <a:latin typeface="Times New Roman" panose="02020603050405020304" pitchFamily="18" charset="0"/>
-                <a:cs typeface="Times New Roman" panose="02020603050405020304" pitchFamily="18" charset="0"/>
-              </a:rPr>
-              <a:t> </a:t>
-            </a:r>
-            <a:r>
-              <a:rPr lang="en-US" sz="2400" dirty="0" err="1">
-                <a:latin typeface="Times New Roman" panose="02020603050405020304" pitchFamily="18" charset="0"/>
-                <a:cs typeface="Times New Roman" panose="02020603050405020304" pitchFamily="18" charset="0"/>
-              </a:rPr>
-              <a:t>phát</a:t>
-            </a:r>
-            <a:r>
-              <a:rPr lang="en-US" sz="2400" dirty="0">
-                <a:latin typeface="Times New Roman" panose="02020603050405020304" pitchFamily="18" charset="0"/>
-                <a:cs typeface="Times New Roman" panose="02020603050405020304" pitchFamily="18" charset="0"/>
-              </a:rPr>
-              <a:t> </a:t>
-            </a:r>
-            <a:r>
-              <a:rPr lang="en-US" sz="2400" dirty="0" err="1">
-                <a:latin typeface="Times New Roman" panose="02020603050405020304" pitchFamily="18" charset="0"/>
-                <a:cs typeface="Times New Roman" panose="02020603050405020304" pitchFamily="18" charset="0"/>
-              </a:rPr>
-              <a:t>triển</a:t>
-            </a:r>
-            <a:r>
-              <a:rPr lang="en-US" sz="2400" dirty="0">
-                <a:latin typeface="Times New Roman" panose="02020603050405020304" pitchFamily="18" charset="0"/>
-                <a:cs typeface="Times New Roman" panose="02020603050405020304" pitchFamily="18" charset="0"/>
-              </a:rPr>
-              <a:t> </a:t>
-            </a:r>
-            <a:r>
-              <a:rPr lang="en-US" sz="2400" dirty="0" err="1">
-                <a:latin typeface="Times New Roman" panose="02020603050405020304" pitchFamily="18" charset="0"/>
-                <a:cs typeface="Times New Roman" panose="02020603050405020304" pitchFamily="18" charset="0"/>
-              </a:rPr>
-              <a:t>phần</a:t>
-            </a:r>
-            <a:r>
-              <a:rPr lang="en-US" sz="2400" dirty="0">
-                <a:latin typeface="Times New Roman" panose="02020603050405020304" pitchFamily="18" charset="0"/>
-                <a:cs typeface="Times New Roman" panose="02020603050405020304" pitchFamily="18" charset="0"/>
-              </a:rPr>
-              <a:t> </a:t>
-            </a:r>
-            <a:r>
-              <a:rPr lang="en-US" sz="2400" dirty="0" err="1">
-                <a:latin typeface="Times New Roman" panose="02020603050405020304" pitchFamily="18" charset="0"/>
-                <a:cs typeface="Times New Roman" panose="02020603050405020304" pitchFamily="18" charset="0"/>
-              </a:rPr>
-              <a:t>mềm</a:t>
-            </a:r>
-            <a:r>
-              <a:rPr lang="en-US" sz="2400" dirty="0">
-                <a:latin typeface="Times New Roman" panose="02020603050405020304" pitchFamily="18" charset="0"/>
-                <a:cs typeface="Times New Roman" panose="02020603050405020304" pitchFamily="18" charset="0"/>
-              </a:rPr>
-              <a:t> </a:t>
-            </a:r>
-            <a:r>
-              <a:rPr lang="en-US" sz="2400" dirty="0" err="1">
-                <a:latin typeface="Times New Roman" panose="02020603050405020304" pitchFamily="18" charset="0"/>
-                <a:cs typeface="Times New Roman" panose="02020603050405020304" pitchFamily="18" charset="0"/>
-              </a:rPr>
-              <a:t>sử</a:t>
-            </a:r>
-            <a:r>
-              <a:rPr lang="en-US" sz="2400" dirty="0">
-                <a:latin typeface="Times New Roman" panose="02020603050405020304" pitchFamily="18" charset="0"/>
-                <a:cs typeface="Times New Roman" panose="02020603050405020304" pitchFamily="18" charset="0"/>
-              </a:rPr>
-              <a:t> </a:t>
-            </a:r>
-            <a:r>
-              <a:rPr lang="en-US" sz="2400" dirty="0" err="1">
-                <a:latin typeface="Times New Roman" panose="02020603050405020304" pitchFamily="18" charset="0"/>
-                <a:cs typeface="Times New Roman" panose="02020603050405020304" pitchFamily="18" charset="0"/>
-              </a:rPr>
-              <a:t>dụng</a:t>
-            </a:r>
-            <a:r>
-              <a:rPr lang="en-US" sz="2400" dirty="0">
-                <a:latin typeface="Times New Roman" panose="02020603050405020304" pitchFamily="18" charset="0"/>
-                <a:cs typeface="Times New Roman" panose="02020603050405020304" pitchFamily="18" charset="0"/>
-              </a:rPr>
-              <a:t> </a:t>
-            </a:r>
-            <a:r>
-              <a:rPr lang="en-US" sz="2400" dirty="0" err="1">
-                <a:latin typeface="Times New Roman" panose="02020603050405020304" pitchFamily="18" charset="0"/>
-                <a:cs typeface="Times New Roman" panose="02020603050405020304" pitchFamily="18" charset="0"/>
-              </a:rPr>
-              <a:t>ngôn</a:t>
-            </a:r>
-            <a:r>
-              <a:rPr lang="en-US" sz="2400" dirty="0">
-                <a:latin typeface="Times New Roman" panose="02020603050405020304" pitchFamily="18" charset="0"/>
-                <a:cs typeface="Times New Roman" panose="02020603050405020304" pitchFamily="18" charset="0"/>
-              </a:rPr>
-              <a:t> </a:t>
-            </a:r>
-            <a:r>
-              <a:rPr lang="en-US" sz="2400" dirty="0" err="1">
-                <a:latin typeface="Times New Roman" panose="02020603050405020304" pitchFamily="18" charset="0"/>
-                <a:cs typeface="Times New Roman" panose="02020603050405020304" pitchFamily="18" charset="0"/>
-              </a:rPr>
-              <a:t>ngữ</a:t>
-            </a:r>
-            <a:r>
-              <a:rPr lang="en-US" sz="2400" dirty="0">
-                <a:latin typeface="Times New Roman" panose="02020603050405020304" pitchFamily="18" charset="0"/>
-                <a:cs typeface="Times New Roman" panose="02020603050405020304" pitchFamily="18" charset="0"/>
-              </a:rPr>
-              <a:t> Java – </a:t>
-            </a:r>
-            <a:r>
-              <a:rPr lang="en-US" sz="2400" dirty="0" err="1">
-                <a:latin typeface="Times New Roman" panose="02020603050405020304" pitchFamily="18" charset="0"/>
-                <a:cs typeface="Times New Roman" panose="02020603050405020304" pitchFamily="18" charset="0"/>
-              </a:rPr>
-              <a:t>một</a:t>
-            </a:r>
-            <a:r>
-              <a:rPr lang="en-US" sz="2400" dirty="0">
-                <a:latin typeface="Times New Roman" panose="02020603050405020304" pitchFamily="18" charset="0"/>
-                <a:cs typeface="Times New Roman" panose="02020603050405020304" pitchFamily="18" charset="0"/>
-              </a:rPr>
-              <a:t> </a:t>
-            </a:r>
-            <a:r>
-              <a:rPr lang="en-US" sz="2400" dirty="0" err="1">
-                <a:latin typeface="Times New Roman" panose="02020603050405020304" pitchFamily="18" charset="0"/>
-                <a:cs typeface="Times New Roman" panose="02020603050405020304" pitchFamily="18" charset="0"/>
-              </a:rPr>
-              <a:t>ngôn</a:t>
-            </a:r>
-            <a:r>
-              <a:rPr lang="en-US" sz="2400" dirty="0">
-                <a:latin typeface="Times New Roman" panose="02020603050405020304" pitchFamily="18" charset="0"/>
-                <a:cs typeface="Times New Roman" panose="02020603050405020304" pitchFamily="18" charset="0"/>
-              </a:rPr>
-              <a:t> </a:t>
-            </a:r>
-            <a:r>
-              <a:rPr lang="en-US" sz="2400" dirty="0" err="1">
-                <a:latin typeface="Times New Roman" panose="02020603050405020304" pitchFamily="18" charset="0"/>
-                <a:cs typeface="Times New Roman" panose="02020603050405020304" pitchFamily="18" charset="0"/>
-              </a:rPr>
-              <a:t>ngữ</a:t>
-            </a:r>
-            <a:r>
-              <a:rPr lang="en-US" sz="2400" dirty="0">
-                <a:latin typeface="Times New Roman" panose="02020603050405020304" pitchFamily="18" charset="0"/>
-                <a:cs typeface="Times New Roman" panose="02020603050405020304" pitchFamily="18" charset="0"/>
-              </a:rPr>
-              <a:t> </a:t>
-            </a:r>
-            <a:r>
-              <a:rPr lang="en-US" sz="2400" dirty="0" err="1">
-                <a:latin typeface="Times New Roman" panose="02020603050405020304" pitchFamily="18" charset="0"/>
-                <a:cs typeface="Times New Roman" panose="02020603050405020304" pitchFamily="18" charset="0"/>
-              </a:rPr>
-              <a:t>lập</a:t>
-            </a:r>
-            <a:r>
-              <a:rPr lang="en-US" sz="2400" dirty="0">
-                <a:latin typeface="Times New Roman" panose="02020603050405020304" pitchFamily="18" charset="0"/>
-                <a:cs typeface="Times New Roman" panose="02020603050405020304" pitchFamily="18" charset="0"/>
-              </a:rPr>
-              <a:t> </a:t>
-            </a:r>
-            <a:r>
-              <a:rPr lang="en-US" sz="2400" dirty="0" err="1">
-                <a:latin typeface="Times New Roman" panose="02020603050405020304" pitchFamily="18" charset="0"/>
-                <a:cs typeface="Times New Roman" panose="02020603050405020304" pitchFamily="18" charset="0"/>
-              </a:rPr>
-              <a:t>trình</a:t>
-            </a:r>
-            <a:r>
-              <a:rPr lang="en-US" sz="2400" dirty="0">
-                <a:latin typeface="Times New Roman" panose="02020603050405020304" pitchFamily="18" charset="0"/>
-                <a:cs typeface="Times New Roman" panose="02020603050405020304" pitchFamily="18" charset="0"/>
-              </a:rPr>
-              <a:t> </a:t>
-            </a:r>
-            <a:r>
-              <a:rPr lang="en-US" sz="2400" dirty="0" err="1">
-                <a:latin typeface="Times New Roman" panose="02020603050405020304" pitchFamily="18" charset="0"/>
-                <a:cs typeface="Times New Roman" panose="02020603050405020304" pitchFamily="18" charset="0"/>
-              </a:rPr>
-              <a:t>mạnh</a:t>
-            </a:r>
-            <a:r>
-              <a:rPr lang="en-US" sz="2400" dirty="0">
-                <a:latin typeface="Times New Roman" panose="02020603050405020304" pitchFamily="18" charset="0"/>
-                <a:cs typeface="Times New Roman" panose="02020603050405020304" pitchFamily="18" charset="0"/>
-              </a:rPr>
-              <a:t> </a:t>
-            </a:r>
-            <a:r>
-              <a:rPr lang="en-US" sz="2400" dirty="0" err="1">
-                <a:latin typeface="Times New Roman" panose="02020603050405020304" pitchFamily="18" charset="0"/>
-                <a:cs typeface="Times New Roman" panose="02020603050405020304" pitchFamily="18" charset="0"/>
-              </a:rPr>
-              <a:t>mẽ</a:t>
-            </a:r>
-            <a:r>
-              <a:rPr lang="en-US" sz="2400" dirty="0">
-                <a:latin typeface="Times New Roman" panose="02020603050405020304" pitchFamily="18" charset="0"/>
-                <a:cs typeface="Times New Roman" panose="02020603050405020304" pitchFamily="18" charset="0"/>
-              </a:rPr>
-              <a:t>, </a:t>
-            </a:r>
-            <a:r>
-              <a:rPr lang="en-US" sz="2400" dirty="0" err="1">
-                <a:latin typeface="Times New Roman" panose="02020603050405020304" pitchFamily="18" charset="0"/>
-                <a:cs typeface="Times New Roman" panose="02020603050405020304" pitchFamily="18" charset="0"/>
-              </a:rPr>
-              <a:t>linh</a:t>
-            </a:r>
-            <a:r>
-              <a:rPr lang="en-US" sz="2400" dirty="0">
-                <a:latin typeface="Times New Roman" panose="02020603050405020304" pitchFamily="18" charset="0"/>
-                <a:cs typeface="Times New Roman" panose="02020603050405020304" pitchFamily="18" charset="0"/>
-              </a:rPr>
-              <a:t> </a:t>
-            </a:r>
-            <a:r>
-              <a:rPr lang="en-US" sz="2400" dirty="0" err="1">
-                <a:latin typeface="Times New Roman" panose="02020603050405020304" pitchFamily="18" charset="0"/>
-                <a:cs typeface="Times New Roman" panose="02020603050405020304" pitchFamily="18" charset="0"/>
-              </a:rPr>
-              <a:t>hoạt</a:t>
-            </a:r>
-            <a:r>
-              <a:rPr lang="en-US" sz="2400" dirty="0">
-                <a:latin typeface="Times New Roman" panose="02020603050405020304" pitchFamily="18" charset="0"/>
-                <a:cs typeface="Times New Roman" panose="02020603050405020304" pitchFamily="18" charset="0"/>
-              </a:rPr>
-              <a:t>, </a:t>
-            </a:r>
-            <a:r>
-              <a:rPr lang="en-US" sz="2400" dirty="0" err="1">
-                <a:latin typeface="Times New Roman" panose="02020603050405020304" pitchFamily="18" charset="0"/>
-                <a:cs typeface="Times New Roman" panose="02020603050405020304" pitchFamily="18" charset="0"/>
-              </a:rPr>
-              <a:t>và</a:t>
-            </a:r>
-            <a:r>
-              <a:rPr lang="en-US" sz="2400" dirty="0">
-                <a:latin typeface="Times New Roman" panose="02020603050405020304" pitchFamily="18" charset="0"/>
-                <a:cs typeface="Times New Roman" panose="02020603050405020304" pitchFamily="18" charset="0"/>
-              </a:rPr>
-              <a:t> </a:t>
-            </a:r>
-            <a:r>
-              <a:rPr lang="en-US" sz="2400" dirty="0" err="1">
-                <a:latin typeface="Times New Roman" panose="02020603050405020304" pitchFamily="18" charset="0"/>
-                <a:cs typeface="Times New Roman" panose="02020603050405020304" pitchFamily="18" charset="0"/>
-              </a:rPr>
-              <a:t>đa</a:t>
-            </a:r>
-            <a:r>
-              <a:rPr lang="en-US" sz="2400" dirty="0">
-                <a:latin typeface="Times New Roman" panose="02020603050405020304" pitchFamily="18" charset="0"/>
-                <a:cs typeface="Times New Roman" panose="02020603050405020304" pitchFamily="18" charset="0"/>
-              </a:rPr>
-              <a:t> </a:t>
-            </a:r>
-            <a:r>
-              <a:rPr lang="en-US" sz="2400" dirty="0" err="1">
-                <a:latin typeface="Times New Roman" panose="02020603050405020304" pitchFamily="18" charset="0"/>
-                <a:cs typeface="Times New Roman" panose="02020603050405020304" pitchFamily="18" charset="0"/>
-              </a:rPr>
-              <a:t>nền</a:t>
-            </a:r>
-            <a:r>
-              <a:rPr lang="en-US" sz="2400" dirty="0">
-                <a:latin typeface="Times New Roman" panose="02020603050405020304" pitchFamily="18" charset="0"/>
-                <a:cs typeface="Times New Roman" panose="02020603050405020304" pitchFamily="18" charset="0"/>
-              </a:rPr>
-              <a:t> </a:t>
-            </a:r>
-            <a:r>
-              <a:rPr lang="en-US" sz="2400" dirty="0" err="1">
-                <a:latin typeface="Times New Roman" panose="02020603050405020304" pitchFamily="18" charset="0"/>
-                <a:cs typeface="Times New Roman" panose="02020603050405020304" pitchFamily="18" charset="0"/>
-              </a:rPr>
-              <a:t>tảng</a:t>
-            </a:r>
-            <a:r>
-              <a:rPr lang="en-US" sz="2400" dirty="0">
-                <a:latin typeface="Times New Roman" panose="02020603050405020304" pitchFamily="18" charset="0"/>
-                <a:cs typeface="Times New Roman" panose="02020603050405020304" pitchFamily="18" charset="0"/>
-              </a:rPr>
-              <a:t>. </a:t>
-            </a:r>
-          </a:p>
-          <a:p>
-            <a:pPr algn="just"/>
+                <a:latin typeface="+mj-lt"/>
+              </a:rPr>
+              <a:t>, n</a:t>
+            </a:r>
             <a:r>
               <a:rPr lang="vi-VN" sz="2400" dirty="0">
-                <a:latin typeface="Times New Roman" panose="02020603050405020304" pitchFamily="18" charset="0"/>
-                <a:cs typeface="Times New Roman" panose="02020603050405020304" pitchFamily="18" charset="0"/>
-              </a:rPr>
-              <a:t>Đề tài "Thiết kế và Xây dựng Phần mềm Basic Calculator" áp dụng kiến thức lập trình Java thông qua các khái niệm lập trình hướng đối tượng (OOP), giao diện người dùng với JavaFX, xử lý sự kiện, và quản lý logic tính toán</a:t>
+                <a:latin typeface="+mj-lt"/>
+              </a:rPr>
+              <a:t>gười dùng cần một công cụ tính toán đơn giản, ổn định và dễ dùng mà không phụ thuộc vào kết nối mạng, phục vụ tốt cho cả nhu cầu cá nhân lẫn tích hợp vào hệ thống lớn hơn.</a:t>
             </a:r>
             <a:endParaRPr lang="en-US" sz="2400" dirty="0">
-              <a:latin typeface="Times New Roman" panose="02020603050405020304" pitchFamily="18" charset="0"/>
-              <a:cs typeface="Times New Roman" panose="02020603050405020304" pitchFamily="18" charset="0"/>
+              <a:latin typeface="+mj-lt"/>
             </a:endParaRPr>
           </a:p>
         </p:txBody>
@@ -11471,7 +10991,7 @@
     </p:spTree>
     <p:extLst>
       <p:ext uri="{BB962C8B-B14F-4D97-AF65-F5344CB8AC3E}">
-        <p14:creationId xmlns:p14="http://schemas.microsoft.com/office/powerpoint/2010/main" val="1610795896"/>
+        <p14:creationId xmlns:p14="http://schemas.microsoft.com/office/powerpoint/2010/main" val="3984457018"/>
       </p:ext>
     </p:extLst>
   </p:cSld>
@@ -11503,7 +11023,7 @@
           <p:cNvPr id="2" name="Title 1">
             <a:extLst>
               <a:ext uri="{FF2B5EF4-FFF2-40B4-BE49-F238E27FC236}">
-                <a16:creationId xmlns:a16="http://schemas.microsoft.com/office/drawing/2014/main" id="{D1E4778F-369E-5634-067E-F7AEC95C7B6C}"/>
+                <a16:creationId xmlns:a16="http://schemas.microsoft.com/office/drawing/2014/main" id="{F5A25240-C69A-081F-1B50-940EBC2855ED}"/>
               </a:ext>
             </a:extLst>
           </p:cNvPr>
@@ -11517,13 +11037,13 @@
         <p:spPr/>
         <p:txBody>
           <a:bodyPr>
-            <a:normAutofit/>
+            <a:noAutofit/>
           </a:bodyPr>
           <a:lstStyle/>
           <a:p>
             <a:r>
               <a:rPr lang="en-US" b="1" dirty="0" err="1"/>
-              <a:t>Khảo</a:t>
+              <a:t>Tổng</a:t>
             </a:r>
             <a:r>
               <a:rPr lang="en-US" b="1" dirty="0"/>
@@ -11531,7 +11051,7 @@
             </a:r>
             <a:r>
               <a:rPr lang="en-US" b="1" dirty="0" err="1"/>
-              <a:t>sát</a:t>
+              <a:t>quan</a:t>
             </a:r>
             <a:r>
               <a:rPr lang="en-US" b="1" dirty="0"/>
@@ -11539,7 +11059,7 @@
             </a:r>
             <a:r>
               <a:rPr lang="en-US" b="1" dirty="0" err="1"/>
-              <a:t>hiện</a:t>
+              <a:t>về</a:t>
             </a:r>
             <a:r>
               <a:rPr lang="en-US" b="1" dirty="0"/>
@@ -11547,9 +11067,52 @@
             </a:r>
             <a:r>
               <a:rPr lang="en-US" b="1" dirty="0" err="1"/>
-              <a:t>trạng</a:t>
-            </a:r>
-            <a:endParaRPr lang="en-US" b="1" dirty="0"/>
+              <a:t>môn</a:t>
+            </a:r>
+            <a:r>
+              <a:rPr lang="en-US" b="1" dirty="0"/>
+              <a:t> </a:t>
+            </a:r>
+            <a:r>
+              <a:rPr lang="en-US" b="1" dirty="0" err="1"/>
+              <a:t>học</a:t>
+            </a:r>
+            <a:r>
+              <a:rPr lang="en-US" b="1" dirty="0"/>
+              <a:t> “</a:t>
+            </a:r>
+            <a:r>
+              <a:rPr lang="en-US" b="1" dirty="0" err="1"/>
+              <a:t>Lập</a:t>
+            </a:r>
+            <a:r>
+              <a:rPr lang="en-US" b="1" dirty="0"/>
+              <a:t> </a:t>
+            </a:r>
+            <a:r>
+              <a:rPr lang="en-US" b="1" dirty="0" err="1"/>
+              <a:t>trình</a:t>
+            </a:r>
+            <a:r>
+              <a:rPr lang="en-US" b="1" dirty="0"/>
+              <a:t> </a:t>
+            </a:r>
+            <a:r>
+              <a:rPr lang="en-US" b="1" dirty="0" err="1"/>
+              <a:t>ứng</a:t>
+            </a:r>
+            <a:r>
+              <a:rPr lang="en-US" b="1" dirty="0"/>
+              <a:t> </a:t>
+            </a:r>
+            <a:r>
+              <a:rPr lang="en-US" b="1" dirty="0" err="1"/>
+              <a:t>dụng</a:t>
+            </a:r>
+            <a:r>
+              <a:rPr lang="en-US" b="1" dirty="0"/>
+              <a:t> Java”</a:t>
+            </a:r>
           </a:p>
         </p:txBody>
       </p:sp>
@@ -11558,7 +11121,7 @@
           <p:cNvPr id="3" name="Content Placeholder 2">
             <a:extLst>
               <a:ext uri="{FF2B5EF4-FFF2-40B4-BE49-F238E27FC236}">
-                <a16:creationId xmlns:a16="http://schemas.microsoft.com/office/drawing/2014/main" id="{193F31DD-BA2C-BBDB-96FC-485B383B86A9}"/>
+                <a16:creationId xmlns:a16="http://schemas.microsoft.com/office/drawing/2014/main" id="{44CA09B8-8349-8286-22E7-09D1E9144911}"/>
               </a:ext>
             </a:extLst>
           </p:cNvPr>
@@ -11583,43 +11146,480 @@
           <a:p>
             <a:pPr algn="just"/>
             <a:r>
+              <a:rPr lang="en-US" sz="2400" dirty="0" err="1">
+                <a:latin typeface="Times New Roman" panose="02020603050405020304" pitchFamily="18" charset="0"/>
+                <a:cs typeface="Times New Roman" panose="02020603050405020304" pitchFamily="18" charset="0"/>
+              </a:rPr>
+              <a:t>Lập</a:t>
+            </a:r>
+            <a:r>
+              <a:rPr lang="en-US" sz="2400" dirty="0">
+                <a:latin typeface="Times New Roman" panose="02020603050405020304" pitchFamily="18" charset="0"/>
+                <a:cs typeface="Times New Roman" panose="02020603050405020304" pitchFamily="18" charset="0"/>
+              </a:rPr>
+              <a:t> </a:t>
+            </a:r>
+            <a:r>
+              <a:rPr lang="en-US" sz="2400" dirty="0" err="1">
+                <a:latin typeface="Times New Roman" panose="02020603050405020304" pitchFamily="18" charset="0"/>
+                <a:cs typeface="Times New Roman" panose="02020603050405020304" pitchFamily="18" charset="0"/>
+              </a:rPr>
+              <a:t>trình</a:t>
+            </a:r>
+            <a:r>
+              <a:rPr lang="en-US" sz="2400" dirty="0">
+                <a:latin typeface="Times New Roman" panose="02020603050405020304" pitchFamily="18" charset="0"/>
+                <a:cs typeface="Times New Roman" panose="02020603050405020304" pitchFamily="18" charset="0"/>
+              </a:rPr>
+              <a:t> </a:t>
+            </a:r>
+            <a:r>
+              <a:rPr lang="en-US" sz="2400" dirty="0" err="1">
+                <a:latin typeface="Times New Roman" panose="02020603050405020304" pitchFamily="18" charset="0"/>
+                <a:cs typeface="Times New Roman" panose="02020603050405020304" pitchFamily="18" charset="0"/>
+              </a:rPr>
+              <a:t>ứng</a:t>
+            </a:r>
+            <a:r>
+              <a:rPr lang="en-US" sz="2400" dirty="0">
+                <a:latin typeface="Times New Roman" panose="02020603050405020304" pitchFamily="18" charset="0"/>
+                <a:cs typeface="Times New Roman" panose="02020603050405020304" pitchFamily="18" charset="0"/>
+              </a:rPr>
+              <a:t> </a:t>
+            </a:r>
+            <a:r>
+              <a:rPr lang="en-US" sz="2400" dirty="0" err="1">
+                <a:latin typeface="Times New Roman" panose="02020603050405020304" pitchFamily="18" charset="0"/>
+                <a:cs typeface="Times New Roman" panose="02020603050405020304" pitchFamily="18" charset="0"/>
+              </a:rPr>
+              <a:t>dụng</a:t>
+            </a:r>
+            <a:r>
+              <a:rPr lang="en-US" sz="2400" dirty="0">
+                <a:latin typeface="Times New Roman" panose="02020603050405020304" pitchFamily="18" charset="0"/>
+                <a:cs typeface="Times New Roman" panose="02020603050405020304" pitchFamily="18" charset="0"/>
+              </a:rPr>
+              <a:t> Java </a:t>
+            </a:r>
+            <a:r>
+              <a:rPr lang="en-US" sz="2400" dirty="0" err="1">
+                <a:latin typeface="Times New Roman" panose="02020603050405020304" pitchFamily="18" charset="0"/>
+                <a:cs typeface="Times New Roman" panose="02020603050405020304" pitchFamily="18" charset="0"/>
+              </a:rPr>
+              <a:t>là</a:t>
+            </a:r>
+            <a:r>
+              <a:rPr lang="en-US" sz="2400" dirty="0">
+                <a:latin typeface="Times New Roman" panose="02020603050405020304" pitchFamily="18" charset="0"/>
+                <a:cs typeface="Times New Roman" panose="02020603050405020304" pitchFamily="18" charset="0"/>
+              </a:rPr>
+              <a:t> </a:t>
+            </a:r>
+            <a:r>
+              <a:rPr lang="en-US" sz="2400" dirty="0" err="1">
+                <a:latin typeface="Times New Roman" panose="02020603050405020304" pitchFamily="18" charset="0"/>
+                <a:cs typeface="Times New Roman" panose="02020603050405020304" pitchFamily="18" charset="0"/>
+              </a:rPr>
+              <a:t>một</a:t>
+            </a:r>
+            <a:r>
+              <a:rPr lang="en-US" sz="2400" dirty="0">
+                <a:latin typeface="Times New Roman" panose="02020603050405020304" pitchFamily="18" charset="0"/>
+                <a:cs typeface="Times New Roman" panose="02020603050405020304" pitchFamily="18" charset="0"/>
+              </a:rPr>
+              <a:t> </a:t>
+            </a:r>
+            <a:r>
+              <a:rPr lang="en-US" sz="2400" dirty="0" err="1">
+                <a:latin typeface="Times New Roman" panose="02020603050405020304" pitchFamily="18" charset="0"/>
+                <a:cs typeface="Times New Roman" panose="02020603050405020304" pitchFamily="18" charset="0"/>
+              </a:rPr>
+              <a:t>lĩnh</a:t>
+            </a:r>
+            <a:r>
+              <a:rPr lang="en-US" sz="2400" dirty="0">
+                <a:latin typeface="Times New Roman" panose="02020603050405020304" pitchFamily="18" charset="0"/>
+                <a:cs typeface="Times New Roman" panose="02020603050405020304" pitchFamily="18" charset="0"/>
+              </a:rPr>
+              <a:t> </a:t>
+            </a:r>
+            <a:r>
+              <a:rPr lang="en-US" sz="2400" dirty="0" err="1">
+                <a:latin typeface="Times New Roman" panose="02020603050405020304" pitchFamily="18" charset="0"/>
+                <a:cs typeface="Times New Roman" panose="02020603050405020304" pitchFamily="18" charset="0"/>
+              </a:rPr>
+              <a:t>vực</a:t>
+            </a:r>
+            <a:r>
+              <a:rPr lang="en-US" sz="2400" dirty="0">
+                <a:latin typeface="Times New Roman" panose="02020603050405020304" pitchFamily="18" charset="0"/>
+                <a:cs typeface="Times New Roman" panose="02020603050405020304" pitchFamily="18" charset="0"/>
+              </a:rPr>
+              <a:t> </a:t>
+            </a:r>
+            <a:r>
+              <a:rPr lang="en-US" sz="2400" dirty="0" err="1">
+                <a:latin typeface="Times New Roman" panose="02020603050405020304" pitchFamily="18" charset="0"/>
+                <a:cs typeface="Times New Roman" panose="02020603050405020304" pitchFamily="18" charset="0"/>
+              </a:rPr>
+              <a:t>tập</a:t>
+            </a:r>
+            <a:r>
+              <a:rPr lang="en-US" sz="2400" dirty="0">
+                <a:latin typeface="Times New Roman" panose="02020603050405020304" pitchFamily="18" charset="0"/>
+                <a:cs typeface="Times New Roman" panose="02020603050405020304" pitchFamily="18" charset="0"/>
+              </a:rPr>
+              <a:t> </a:t>
+            </a:r>
+            <a:r>
+              <a:rPr lang="en-US" sz="2400" dirty="0" err="1">
+                <a:latin typeface="Times New Roman" panose="02020603050405020304" pitchFamily="18" charset="0"/>
+                <a:cs typeface="Times New Roman" panose="02020603050405020304" pitchFamily="18" charset="0"/>
+              </a:rPr>
+              <a:t>trung</a:t>
+            </a:r>
+            <a:r>
+              <a:rPr lang="en-US" sz="2400" dirty="0">
+                <a:latin typeface="Times New Roman" panose="02020603050405020304" pitchFamily="18" charset="0"/>
+                <a:cs typeface="Times New Roman" panose="02020603050405020304" pitchFamily="18" charset="0"/>
+              </a:rPr>
+              <a:t> </a:t>
+            </a:r>
+            <a:r>
+              <a:rPr lang="en-US" sz="2400" dirty="0" err="1">
+                <a:latin typeface="Times New Roman" panose="02020603050405020304" pitchFamily="18" charset="0"/>
+                <a:cs typeface="Times New Roman" panose="02020603050405020304" pitchFamily="18" charset="0"/>
+              </a:rPr>
+              <a:t>vào</a:t>
+            </a:r>
+            <a:r>
+              <a:rPr lang="en-US" sz="2400" dirty="0">
+                <a:latin typeface="Times New Roman" panose="02020603050405020304" pitchFamily="18" charset="0"/>
+                <a:cs typeface="Times New Roman" panose="02020603050405020304" pitchFamily="18" charset="0"/>
+              </a:rPr>
+              <a:t> </a:t>
+            </a:r>
+            <a:r>
+              <a:rPr lang="en-US" sz="2400" dirty="0" err="1">
+                <a:latin typeface="Times New Roman" panose="02020603050405020304" pitchFamily="18" charset="0"/>
+                <a:cs typeface="Times New Roman" panose="02020603050405020304" pitchFamily="18" charset="0"/>
+              </a:rPr>
+              <a:t>việc</a:t>
+            </a:r>
+            <a:r>
+              <a:rPr lang="en-US" sz="2400" dirty="0">
+                <a:latin typeface="Times New Roman" panose="02020603050405020304" pitchFamily="18" charset="0"/>
+                <a:cs typeface="Times New Roman" panose="02020603050405020304" pitchFamily="18" charset="0"/>
+              </a:rPr>
+              <a:t> </a:t>
+            </a:r>
+            <a:r>
+              <a:rPr lang="en-US" sz="2400" dirty="0" err="1">
+                <a:latin typeface="Times New Roman" panose="02020603050405020304" pitchFamily="18" charset="0"/>
+                <a:cs typeface="Times New Roman" panose="02020603050405020304" pitchFamily="18" charset="0"/>
+              </a:rPr>
+              <a:t>phát</a:t>
+            </a:r>
+            <a:r>
+              <a:rPr lang="en-US" sz="2400" dirty="0">
+                <a:latin typeface="Times New Roman" panose="02020603050405020304" pitchFamily="18" charset="0"/>
+                <a:cs typeface="Times New Roman" panose="02020603050405020304" pitchFamily="18" charset="0"/>
+              </a:rPr>
+              <a:t> </a:t>
+            </a:r>
+            <a:r>
+              <a:rPr lang="en-US" sz="2400" dirty="0" err="1">
+                <a:latin typeface="Times New Roman" panose="02020603050405020304" pitchFamily="18" charset="0"/>
+                <a:cs typeface="Times New Roman" panose="02020603050405020304" pitchFamily="18" charset="0"/>
+              </a:rPr>
+              <a:t>triển</a:t>
+            </a:r>
+            <a:r>
+              <a:rPr lang="en-US" sz="2400" dirty="0">
+                <a:latin typeface="Times New Roman" panose="02020603050405020304" pitchFamily="18" charset="0"/>
+                <a:cs typeface="Times New Roman" panose="02020603050405020304" pitchFamily="18" charset="0"/>
+              </a:rPr>
+              <a:t> </a:t>
+            </a:r>
+            <a:r>
+              <a:rPr lang="en-US" sz="2400" dirty="0" err="1">
+                <a:latin typeface="Times New Roman" panose="02020603050405020304" pitchFamily="18" charset="0"/>
+                <a:cs typeface="Times New Roman" panose="02020603050405020304" pitchFamily="18" charset="0"/>
+              </a:rPr>
+              <a:t>phần</a:t>
+            </a:r>
+            <a:r>
+              <a:rPr lang="en-US" sz="2400" dirty="0">
+                <a:latin typeface="Times New Roman" panose="02020603050405020304" pitchFamily="18" charset="0"/>
+                <a:cs typeface="Times New Roman" panose="02020603050405020304" pitchFamily="18" charset="0"/>
+              </a:rPr>
+              <a:t> </a:t>
+            </a:r>
+            <a:r>
+              <a:rPr lang="en-US" sz="2400" dirty="0" err="1">
+                <a:latin typeface="Times New Roman" panose="02020603050405020304" pitchFamily="18" charset="0"/>
+                <a:cs typeface="Times New Roman" panose="02020603050405020304" pitchFamily="18" charset="0"/>
+              </a:rPr>
+              <a:t>mềm</a:t>
+            </a:r>
+            <a:r>
+              <a:rPr lang="en-US" sz="2400" dirty="0">
+                <a:latin typeface="Times New Roman" panose="02020603050405020304" pitchFamily="18" charset="0"/>
+                <a:cs typeface="Times New Roman" panose="02020603050405020304" pitchFamily="18" charset="0"/>
+              </a:rPr>
+              <a:t> </a:t>
+            </a:r>
+            <a:r>
+              <a:rPr lang="en-US" sz="2400" dirty="0" err="1">
+                <a:latin typeface="Times New Roman" panose="02020603050405020304" pitchFamily="18" charset="0"/>
+                <a:cs typeface="Times New Roman" panose="02020603050405020304" pitchFamily="18" charset="0"/>
+              </a:rPr>
+              <a:t>sử</a:t>
+            </a:r>
+            <a:r>
+              <a:rPr lang="en-US" sz="2400" dirty="0">
+                <a:latin typeface="Times New Roman" panose="02020603050405020304" pitchFamily="18" charset="0"/>
+                <a:cs typeface="Times New Roman" panose="02020603050405020304" pitchFamily="18" charset="0"/>
+              </a:rPr>
+              <a:t> </a:t>
+            </a:r>
+            <a:r>
+              <a:rPr lang="en-US" sz="2400" dirty="0" err="1">
+                <a:latin typeface="Times New Roman" panose="02020603050405020304" pitchFamily="18" charset="0"/>
+                <a:cs typeface="Times New Roman" panose="02020603050405020304" pitchFamily="18" charset="0"/>
+              </a:rPr>
+              <a:t>dụng</a:t>
+            </a:r>
+            <a:r>
+              <a:rPr lang="en-US" sz="2400" dirty="0">
+                <a:latin typeface="Times New Roman" panose="02020603050405020304" pitchFamily="18" charset="0"/>
+                <a:cs typeface="Times New Roman" panose="02020603050405020304" pitchFamily="18" charset="0"/>
+              </a:rPr>
+              <a:t> </a:t>
+            </a:r>
+            <a:r>
+              <a:rPr lang="en-US" sz="2400" dirty="0" err="1">
+                <a:latin typeface="Times New Roman" panose="02020603050405020304" pitchFamily="18" charset="0"/>
+                <a:cs typeface="Times New Roman" panose="02020603050405020304" pitchFamily="18" charset="0"/>
+              </a:rPr>
+              <a:t>ngôn</a:t>
+            </a:r>
+            <a:r>
+              <a:rPr lang="en-US" sz="2400" dirty="0">
+                <a:latin typeface="Times New Roman" panose="02020603050405020304" pitchFamily="18" charset="0"/>
+                <a:cs typeface="Times New Roman" panose="02020603050405020304" pitchFamily="18" charset="0"/>
+              </a:rPr>
+              <a:t> </a:t>
+            </a:r>
+            <a:r>
+              <a:rPr lang="en-US" sz="2400" dirty="0" err="1">
+                <a:latin typeface="Times New Roman" panose="02020603050405020304" pitchFamily="18" charset="0"/>
+                <a:cs typeface="Times New Roman" panose="02020603050405020304" pitchFamily="18" charset="0"/>
+              </a:rPr>
+              <a:t>ngữ</a:t>
+            </a:r>
+            <a:r>
+              <a:rPr lang="en-US" sz="2400" dirty="0">
+                <a:latin typeface="Times New Roman" panose="02020603050405020304" pitchFamily="18" charset="0"/>
+                <a:cs typeface="Times New Roman" panose="02020603050405020304" pitchFamily="18" charset="0"/>
+              </a:rPr>
+              <a:t> Java – </a:t>
+            </a:r>
+            <a:r>
+              <a:rPr lang="en-US" sz="2400" dirty="0" err="1">
+                <a:latin typeface="Times New Roman" panose="02020603050405020304" pitchFamily="18" charset="0"/>
+                <a:cs typeface="Times New Roman" panose="02020603050405020304" pitchFamily="18" charset="0"/>
+              </a:rPr>
+              <a:t>một</a:t>
+            </a:r>
+            <a:r>
+              <a:rPr lang="en-US" sz="2400" dirty="0">
+                <a:latin typeface="Times New Roman" panose="02020603050405020304" pitchFamily="18" charset="0"/>
+                <a:cs typeface="Times New Roman" panose="02020603050405020304" pitchFamily="18" charset="0"/>
+              </a:rPr>
+              <a:t> </a:t>
+            </a:r>
+            <a:r>
+              <a:rPr lang="en-US" sz="2400" dirty="0" err="1">
+                <a:latin typeface="Times New Roman" panose="02020603050405020304" pitchFamily="18" charset="0"/>
+                <a:cs typeface="Times New Roman" panose="02020603050405020304" pitchFamily="18" charset="0"/>
+              </a:rPr>
+              <a:t>ngôn</a:t>
+            </a:r>
+            <a:r>
+              <a:rPr lang="en-US" sz="2400" dirty="0">
+                <a:latin typeface="Times New Roman" panose="02020603050405020304" pitchFamily="18" charset="0"/>
+                <a:cs typeface="Times New Roman" panose="02020603050405020304" pitchFamily="18" charset="0"/>
+              </a:rPr>
+              <a:t> </a:t>
+            </a:r>
+            <a:r>
+              <a:rPr lang="en-US" sz="2400" dirty="0" err="1">
+                <a:latin typeface="Times New Roman" panose="02020603050405020304" pitchFamily="18" charset="0"/>
+                <a:cs typeface="Times New Roman" panose="02020603050405020304" pitchFamily="18" charset="0"/>
+              </a:rPr>
+              <a:t>ngữ</a:t>
+            </a:r>
+            <a:r>
+              <a:rPr lang="en-US" sz="2400" dirty="0">
+                <a:latin typeface="Times New Roman" panose="02020603050405020304" pitchFamily="18" charset="0"/>
+                <a:cs typeface="Times New Roman" panose="02020603050405020304" pitchFamily="18" charset="0"/>
+              </a:rPr>
+              <a:t> </a:t>
+            </a:r>
+            <a:r>
+              <a:rPr lang="en-US" sz="2400" dirty="0" err="1">
+                <a:latin typeface="Times New Roman" panose="02020603050405020304" pitchFamily="18" charset="0"/>
+                <a:cs typeface="Times New Roman" panose="02020603050405020304" pitchFamily="18" charset="0"/>
+              </a:rPr>
+              <a:t>lập</a:t>
+            </a:r>
+            <a:r>
+              <a:rPr lang="en-US" sz="2400" dirty="0">
+                <a:latin typeface="Times New Roman" panose="02020603050405020304" pitchFamily="18" charset="0"/>
+                <a:cs typeface="Times New Roman" panose="02020603050405020304" pitchFamily="18" charset="0"/>
+              </a:rPr>
+              <a:t> </a:t>
+            </a:r>
+            <a:r>
+              <a:rPr lang="en-US" sz="2400" dirty="0" err="1">
+                <a:latin typeface="Times New Roman" panose="02020603050405020304" pitchFamily="18" charset="0"/>
+                <a:cs typeface="Times New Roman" panose="02020603050405020304" pitchFamily="18" charset="0"/>
+              </a:rPr>
+              <a:t>trình</a:t>
+            </a:r>
+            <a:r>
+              <a:rPr lang="en-US" sz="2400" dirty="0">
+                <a:latin typeface="Times New Roman" panose="02020603050405020304" pitchFamily="18" charset="0"/>
+                <a:cs typeface="Times New Roman" panose="02020603050405020304" pitchFamily="18" charset="0"/>
+              </a:rPr>
+              <a:t> </a:t>
+            </a:r>
+            <a:r>
+              <a:rPr lang="en-US" sz="2400" dirty="0" err="1">
+                <a:latin typeface="Times New Roman" panose="02020603050405020304" pitchFamily="18" charset="0"/>
+                <a:cs typeface="Times New Roman" panose="02020603050405020304" pitchFamily="18" charset="0"/>
+              </a:rPr>
+              <a:t>mạnh</a:t>
+            </a:r>
+            <a:r>
+              <a:rPr lang="en-US" sz="2400" dirty="0">
+                <a:latin typeface="Times New Roman" panose="02020603050405020304" pitchFamily="18" charset="0"/>
+                <a:cs typeface="Times New Roman" panose="02020603050405020304" pitchFamily="18" charset="0"/>
+              </a:rPr>
+              <a:t> </a:t>
+            </a:r>
+            <a:r>
+              <a:rPr lang="en-US" sz="2400" dirty="0" err="1">
+                <a:latin typeface="Times New Roman" panose="02020603050405020304" pitchFamily="18" charset="0"/>
+                <a:cs typeface="Times New Roman" panose="02020603050405020304" pitchFamily="18" charset="0"/>
+              </a:rPr>
+              <a:t>mẽ</a:t>
+            </a:r>
+            <a:r>
+              <a:rPr lang="en-US" sz="2400" dirty="0">
+                <a:latin typeface="Times New Roman" panose="02020603050405020304" pitchFamily="18" charset="0"/>
+                <a:cs typeface="Times New Roman" panose="02020603050405020304" pitchFamily="18" charset="0"/>
+              </a:rPr>
+              <a:t>, </a:t>
+            </a:r>
+            <a:r>
+              <a:rPr lang="en-US" sz="2400" dirty="0" err="1">
+                <a:latin typeface="Times New Roman" panose="02020603050405020304" pitchFamily="18" charset="0"/>
+                <a:cs typeface="Times New Roman" panose="02020603050405020304" pitchFamily="18" charset="0"/>
+              </a:rPr>
+              <a:t>linh</a:t>
+            </a:r>
+            <a:r>
+              <a:rPr lang="en-US" sz="2400" dirty="0">
+                <a:latin typeface="Times New Roman" panose="02020603050405020304" pitchFamily="18" charset="0"/>
+                <a:cs typeface="Times New Roman" panose="02020603050405020304" pitchFamily="18" charset="0"/>
+              </a:rPr>
+              <a:t> </a:t>
+            </a:r>
+            <a:r>
+              <a:rPr lang="en-US" sz="2400" dirty="0" err="1">
+                <a:latin typeface="Times New Roman" panose="02020603050405020304" pitchFamily="18" charset="0"/>
+                <a:cs typeface="Times New Roman" panose="02020603050405020304" pitchFamily="18" charset="0"/>
+              </a:rPr>
+              <a:t>hoạt</a:t>
+            </a:r>
+            <a:r>
+              <a:rPr lang="en-US" sz="2400" dirty="0">
+                <a:latin typeface="Times New Roman" panose="02020603050405020304" pitchFamily="18" charset="0"/>
+                <a:cs typeface="Times New Roman" panose="02020603050405020304" pitchFamily="18" charset="0"/>
+              </a:rPr>
+              <a:t>, </a:t>
+            </a:r>
+            <a:r>
+              <a:rPr lang="en-US" sz="2400" dirty="0" err="1">
+                <a:latin typeface="Times New Roman" panose="02020603050405020304" pitchFamily="18" charset="0"/>
+                <a:cs typeface="Times New Roman" panose="02020603050405020304" pitchFamily="18" charset="0"/>
+              </a:rPr>
+              <a:t>và</a:t>
+            </a:r>
+            <a:r>
+              <a:rPr lang="en-US" sz="2400" dirty="0">
+                <a:latin typeface="Times New Roman" panose="02020603050405020304" pitchFamily="18" charset="0"/>
+                <a:cs typeface="Times New Roman" panose="02020603050405020304" pitchFamily="18" charset="0"/>
+              </a:rPr>
+              <a:t> </a:t>
+            </a:r>
+            <a:r>
+              <a:rPr lang="en-US" sz="2400" dirty="0" err="1">
+                <a:latin typeface="Times New Roman" panose="02020603050405020304" pitchFamily="18" charset="0"/>
+                <a:cs typeface="Times New Roman" panose="02020603050405020304" pitchFamily="18" charset="0"/>
+              </a:rPr>
+              <a:t>đa</a:t>
+            </a:r>
+            <a:r>
+              <a:rPr lang="en-US" sz="2400" dirty="0">
+                <a:latin typeface="Times New Roman" panose="02020603050405020304" pitchFamily="18" charset="0"/>
+                <a:cs typeface="Times New Roman" panose="02020603050405020304" pitchFamily="18" charset="0"/>
+              </a:rPr>
+              <a:t> </a:t>
+            </a:r>
+            <a:r>
+              <a:rPr lang="en-US" sz="2400" dirty="0" err="1">
+                <a:latin typeface="Times New Roman" panose="02020603050405020304" pitchFamily="18" charset="0"/>
+                <a:cs typeface="Times New Roman" panose="02020603050405020304" pitchFamily="18" charset="0"/>
+              </a:rPr>
+              <a:t>nền</a:t>
+            </a:r>
+            <a:r>
+              <a:rPr lang="en-US" sz="2400" dirty="0">
+                <a:latin typeface="Times New Roman" panose="02020603050405020304" pitchFamily="18" charset="0"/>
+                <a:cs typeface="Times New Roman" panose="02020603050405020304" pitchFamily="18" charset="0"/>
+              </a:rPr>
+              <a:t> </a:t>
+            </a:r>
+            <a:r>
+              <a:rPr lang="en-US" sz="2400" dirty="0" err="1">
+                <a:latin typeface="Times New Roman" panose="02020603050405020304" pitchFamily="18" charset="0"/>
+                <a:cs typeface="Times New Roman" panose="02020603050405020304" pitchFamily="18" charset="0"/>
+              </a:rPr>
+              <a:t>tảng</a:t>
+            </a:r>
+            <a:r>
+              <a:rPr lang="en-US" sz="2400" dirty="0">
+                <a:latin typeface="Times New Roman" panose="02020603050405020304" pitchFamily="18" charset="0"/>
+                <a:cs typeface="Times New Roman" panose="02020603050405020304" pitchFamily="18" charset="0"/>
+              </a:rPr>
+              <a:t>. </a:t>
+            </a:r>
+          </a:p>
+          <a:p>
+            <a:pPr algn="just"/>
+            <a:r>
               <a:rPr lang="vi-VN" sz="2400" dirty="0">
-                <a:latin typeface="+mj-lt"/>
-              </a:rPr>
-              <a:t>Hiện nay, ứng dụng máy tính cơ bản là công cụ thiết yếu trong nhiều lĩnh vực, từ học tập đến công việc hàng ngày. Mặc dù các hệ điều hành phổ biến như Windows, macOS, và Android đều có sẵn ứng dụng máy tính, nhưng chúng thường thiếu tính tùy biến và có thể yêu cầu kết nối mạng khi dùng các ứng dụng trực tuyến.</a:t>
+                <a:latin typeface="Times New Roman" panose="02020603050405020304" pitchFamily="18" charset="0"/>
+                <a:cs typeface="Times New Roman" panose="02020603050405020304" pitchFamily="18" charset="0"/>
+              </a:rPr>
+              <a:t>Đề tài "Thiết kế và Xây dựng Phần mềm Basic Calculator" áp dụng kiến thức lập trình Java thông qua các khái niệm lập trình hướng đối tượng (OOP), giao diện người dùng với JavaFX, xử lý sự kiện, và quản lý logic tính toán</a:t>
             </a:r>
             <a:endParaRPr lang="en-US" sz="2400" dirty="0">
-              <a:latin typeface="+mj-lt"/>
-            </a:endParaRPr>
-          </a:p>
-          <a:p>
-            <a:pPr algn="just"/>
-            <a:r>
-              <a:rPr lang="en-US" sz="2400" dirty="0">
-                <a:latin typeface="+mj-lt"/>
-              </a:rPr>
-              <a:t>Qua </a:t>
-            </a:r>
-            <a:r>
-              <a:rPr lang="en-US" sz="2400" dirty="0" err="1">
-                <a:latin typeface="+mj-lt"/>
-              </a:rPr>
-              <a:t>đó</a:t>
-            </a:r>
-            <a:r>
-              <a:rPr lang="en-US" sz="2400" dirty="0">
-                <a:latin typeface="+mj-lt"/>
-              </a:rPr>
-              <a:t>, n</a:t>
-            </a:r>
-            <a:r>
-              <a:rPr lang="vi-VN" sz="2400" dirty="0">
-                <a:latin typeface="+mj-lt"/>
-              </a:rPr>
-              <a:t>gười dùng cần một công cụ tính toán đơn giản, ổn định và dễ dùng mà không phụ thuộc vào kết nối mạng, phục vụ tốt cho cả nhu cầu cá nhân lẫn tích hợp vào hệ thống lớn hơn.</a:t>
-            </a:r>
-            <a:endParaRPr lang="en-US" sz="2400" dirty="0">
-              <a:latin typeface="+mj-lt"/>
+              <a:latin typeface="Times New Roman" panose="02020603050405020304" pitchFamily="18" charset="0"/>
+              <a:cs typeface="Times New Roman" panose="02020603050405020304" pitchFamily="18" charset="0"/>
             </a:endParaRPr>
           </a:p>
         </p:txBody>
@@ -11627,7 +11627,7 @@
     </p:spTree>
     <p:extLst>
       <p:ext uri="{BB962C8B-B14F-4D97-AF65-F5344CB8AC3E}">
-        <p14:creationId xmlns:p14="http://schemas.microsoft.com/office/powerpoint/2010/main" val="3984457018"/>
+        <p14:creationId xmlns:p14="http://schemas.microsoft.com/office/powerpoint/2010/main" val="1610795896"/>
       </p:ext>
     </p:extLst>
   </p:cSld>
